--- a/ppt/BA_09_06.pptx
+++ b/ppt/BA_09_06.pptx
@@ -209,7 +209,7 @@
           <a:p>
             <a:fld id="{7EA519B9-9D46-764B-830B-5033C6FCD021}" type="datetimeFigureOut">
               <a:rPr lang="en-DE" smtClean="0"/>
-              <a:t>09.06.23</a:t>
+              <a:t>29.06.23</a:t>
             </a:fld>
             <a:endParaRPr lang="en-DE"/>
           </a:p>
@@ -717,7 +717,7 @@
           <a:p>
             <a:fld id="{B4862C76-48F0-C443-B2D5-B69B967B73FA}" type="datetimeFigureOut">
               <a:rPr lang="en-DE" smtClean="0"/>
-              <a:t>09.06.23</a:t>
+              <a:t>29.06.23</a:t>
             </a:fld>
             <a:endParaRPr lang="en-DE"/>
           </a:p>
@@ -917,7 +917,7 @@
           <a:p>
             <a:fld id="{B4862C76-48F0-C443-B2D5-B69B967B73FA}" type="datetimeFigureOut">
               <a:rPr lang="en-DE" smtClean="0"/>
-              <a:t>09.06.23</a:t>
+              <a:t>29.06.23</a:t>
             </a:fld>
             <a:endParaRPr lang="en-DE"/>
           </a:p>
@@ -1127,7 +1127,7 @@
           <a:p>
             <a:fld id="{B4862C76-48F0-C443-B2D5-B69B967B73FA}" type="datetimeFigureOut">
               <a:rPr lang="en-DE" smtClean="0"/>
-              <a:t>09.06.23</a:t>
+              <a:t>29.06.23</a:t>
             </a:fld>
             <a:endParaRPr lang="en-DE"/>
           </a:p>
@@ -1327,7 +1327,7 @@
           <a:p>
             <a:fld id="{B4862C76-48F0-C443-B2D5-B69B967B73FA}" type="datetimeFigureOut">
               <a:rPr lang="en-DE" smtClean="0"/>
-              <a:t>09.06.23</a:t>
+              <a:t>29.06.23</a:t>
             </a:fld>
             <a:endParaRPr lang="en-DE"/>
           </a:p>
@@ -1603,7 +1603,7 @@
           <a:p>
             <a:fld id="{B4862C76-48F0-C443-B2D5-B69B967B73FA}" type="datetimeFigureOut">
               <a:rPr lang="en-DE" smtClean="0"/>
-              <a:t>09.06.23</a:t>
+              <a:t>29.06.23</a:t>
             </a:fld>
             <a:endParaRPr lang="en-DE"/>
           </a:p>
@@ -1871,7 +1871,7 @@
           <a:p>
             <a:fld id="{B4862C76-48F0-C443-B2D5-B69B967B73FA}" type="datetimeFigureOut">
               <a:rPr lang="en-DE" smtClean="0"/>
-              <a:t>09.06.23</a:t>
+              <a:t>29.06.23</a:t>
             </a:fld>
             <a:endParaRPr lang="en-DE"/>
           </a:p>
@@ -2286,7 +2286,7 @@
           <a:p>
             <a:fld id="{B4862C76-48F0-C443-B2D5-B69B967B73FA}" type="datetimeFigureOut">
               <a:rPr lang="en-DE" smtClean="0"/>
-              <a:t>09.06.23</a:t>
+              <a:t>29.06.23</a:t>
             </a:fld>
             <a:endParaRPr lang="en-DE"/>
           </a:p>
@@ -2428,7 +2428,7 @@
           <a:p>
             <a:fld id="{B4862C76-48F0-C443-B2D5-B69B967B73FA}" type="datetimeFigureOut">
               <a:rPr lang="en-DE" smtClean="0"/>
-              <a:t>09.06.23</a:t>
+              <a:t>29.06.23</a:t>
             </a:fld>
             <a:endParaRPr lang="en-DE"/>
           </a:p>
@@ -2541,7 +2541,7 @@
           <a:p>
             <a:fld id="{B4862C76-48F0-C443-B2D5-B69B967B73FA}" type="datetimeFigureOut">
               <a:rPr lang="en-DE" smtClean="0"/>
-              <a:t>09.06.23</a:t>
+              <a:t>29.06.23</a:t>
             </a:fld>
             <a:endParaRPr lang="en-DE"/>
           </a:p>
@@ -2854,7 +2854,7 @@
           <a:p>
             <a:fld id="{B4862C76-48F0-C443-B2D5-B69B967B73FA}" type="datetimeFigureOut">
               <a:rPr lang="en-DE" smtClean="0"/>
-              <a:t>09.06.23</a:t>
+              <a:t>29.06.23</a:t>
             </a:fld>
             <a:endParaRPr lang="en-DE"/>
           </a:p>
@@ -3143,7 +3143,7 @@
           <a:p>
             <a:fld id="{B4862C76-48F0-C443-B2D5-B69B967B73FA}" type="datetimeFigureOut">
               <a:rPr lang="en-DE" smtClean="0"/>
-              <a:t>09.06.23</a:t>
+              <a:t>29.06.23</a:t>
             </a:fld>
             <a:endParaRPr lang="en-DE"/>
           </a:p>
@@ -3386,7 +3386,7 @@
           <a:p>
             <a:fld id="{B4862C76-48F0-C443-B2D5-B69B967B73FA}" type="datetimeFigureOut">
               <a:rPr lang="en-DE" smtClean="0"/>
-              <a:t>09.06.23</a:t>
+              <a:t>29.06.23</a:t>
             </a:fld>
             <a:endParaRPr lang="en-DE"/>
           </a:p>
@@ -3938,7 +3938,7 @@
         </p:blipFill>
         <p:spPr>
           <a:xfrm>
-            <a:off x="3563803" y="124912"/>
+            <a:off x="3563803" y="250574"/>
             <a:ext cx="5455506" cy="6356851"/>
           </a:xfrm>
         </p:spPr>
